--- a/Segurança da Informação/Aula-03-Politicas-de-Segurança.pptx
+++ b/Segurança da Informação/Aula-03-Politicas-de-Segurança.pptx
@@ -2,7 +2,7 @@
 <file path=ppt/presentation.xml><?xml version="1.0" encoding="utf-8"?>
 <p:presentation xmlns:a="http://schemas.openxmlformats.org/drawingml/2006/main" xmlns:r="http://schemas.openxmlformats.org/officeDocument/2006/relationships" xmlns:p="http://schemas.openxmlformats.org/presentationml/2006/main" saveSubsetFonts="1" autoCompressPictures="0">
   <p:sldMasterIdLst>
-    <p:sldMasterId id="2147483660" r:id="rId1"/>
+    <p:sldMasterId id="2147483708" r:id="rId1"/>
   </p:sldMasterIdLst>
   <p:sldIdLst>
     <p:sldId id="256" r:id="rId2"/>
@@ -3583,7 +3583,7 @@
           <a:p>
             <a:fld id="{5BCAD085-E8A6-8845-BD4E-CB4CCA059FC4}" type="datetimeFigureOut">
               <a:rPr lang="en-US" smtClean="0"/>
-              <a:t>8/25/2025</a:t>
+              <a:t>8/26/2025</a:t>
             </a:fld>
             <a:endParaRPr lang="en-US"/>
           </a:p>
@@ -3672,7 +3672,7 @@
     </p:spTree>
     <p:extLst>
       <p:ext uri="{BB962C8B-B14F-4D97-AF65-F5344CB8AC3E}">
-        <p14:creationId xmlns:p14="http://schemas.microsoft.com/office/powerpoint/2010/main" val="1422037406"/>
+        <p14:creationId xmlns:p14="http://schemas.microsoft.com/office/powerpoint/2010/main" val="3601936447"/>
       </p:ext>
     </p:extLst>
   </p:cSld>
@@ -3791,7 +3791,7 @@
           <a:p>
             <a:fld id="{5BCAD085-E8A6-8845-BD4E-CB4CCA059FC4}" type="datetimeFigureOut">
               <a:rPr lang="en-US" smtClean="0"/>
-              <a:t>8/25/2025</a:t>
+              <a:t>8/26/2025</a:t>
             </a:fld>
             <a:endParaRPr lang="en-US"/>
           </a:p>
@@ -3842,7 +3842,7 @@
     </p:spTree>
     <p:extLst>
       <p:ext uri="{BB962C8B-B14F-4D97-AF65-F5344CB8AC3E}">
-        <p14:creationId xmlns:p14="http://schemas.microsoft.com/office/powerpoint/2010/main" val="579517460"/>
+        <p14:creationId xmlns:p14="http://schemas.microsoft.com/office/powerpoint/2010/main" val="2208277725"/>
       </p:ext>
     </p:extLst>
   </p:cSld>
@@ -3957,8 +3957,8 @@
         </p:nvSpPr>
         <p:spPr>
           <a:xfrm>
-            <a:off x="6543675" y="414779"/>
-            <a:ext cx="1971675" cy="5757421"/>
+            <a:off x="6543675" y="412302"/>
+            <a:ext cx="1971675" cy="5759898"/>
           </a:xfrm>
         </p:spPr>
         <p:txBody>
@@ -3985,8 +3985,8 @@
         </p:nvSpPr>
         <p:spPr>
           <a:xfrm>
-            <a:off x="628650" y="414779"/>
-            <a:ext cx="5800725" cy="5757420"/>
+            <a:off x="628650" y="412302"/>
+            <a:ext cx="5800725" cy="5759898"/>
           </a:xfrm>
         </p:spPr>
         <p:txBody>
@@ -4047,7 +4047,7 @@
           <a:p>
             <a:fld id="{5BCAD085-E8A6-8845-BD4E-CB4CCA059FC4}" type="datetimeFigureOut">
               <a:rPr lang="en-US" smtClean="0"/>
-              <a:t>8/25/2025</a:t>
+              <a:t>8/26/2025</a:t>
             </a:fld>
             <a:endParaRPr lang="en-US"/>
           </a:p>
@@ -4098,7 +4098,7 @@
     </p:spTree>
     <p:extLst>
       <p:ext uri="{BB962C8B-B14F-4D97-AF65-F5344CB8AC3E}">
-        <p14:creationId xmlns:p14="http://schemas.microsoft.com/office/powerpoint/2010/main" val="808651181"/>
+        <p14:creationId xmlns:p14="http://schemas.microsoft.com/office/powerpoint/2010/main" val="3496872769"/>
       </p:ext>
     </p:extLst>
   </p:cSld>
@@ -4217,7 +4217,7 @@
           <a:p>
             <a:fld id="{5BCAD085-E8A6-8845-BD4E-CB4CCA059FC4}" type="datetimeFigureOut">
               <a:rPr lang="en-US" smtClean="0"/>
-              <a:t>8/25/2025</a:t>
+              <a:t>8/26/2025</a:t>
             </a:fld>
             <a:endParaRPr lang="en-US"/>
           </a:p>
@@ -4268,7 +4268,7 @@
     </p:spTree>
     <p:extLst>
       <p:ext uri="{BB962C8B-B14F-4D97-AF65-F5344CB8AC3E}">
-        <p14:creationId xmlns:p14="http://schemas.microsoft.com/office/powerpoint/2010/main" val="1528364183"/>
+        <p14:creationId xmlns:p14="http://schemas.microsoft.com/office/powerpoint/2010/main" val="3652205087"/>
       </p:ext>
     </p:extLst>
   </p:cSld>
@@ -4560,7 +4560,7 @@
           <a:p>
             <a:fld id="{5BCAD085-E8A6-8845-BD4E-CB4CCA059FC4}" type="datetimeFigureOut">
               <a:rPr lang="en-US" smtClean="0"/>
-              <a:t>8/25/2025</a:t>
+              <a:t>8/26/2025</a:t>
             </a:fld>
             <a:endParaRPr lang="en-US"/>
           </a:p>
@@ -4649,7 +4649,7 @@
     </p:spTree>
     <p:extLst>
       <p:ext uri="{BB962C8B-B14F-4D97-AF65-F5344CB8AC3E}">
-        <p14:creationId xmlns:p14="http://schemas.microsoft.com/office/powerpoint/2010/main" val="1597357161"/>
+        <p14:creationId xmlns:p14="http://schemas.microsoft.com/office/powerpoint/2010/main" val="826767991"/>
       </p:ext>
     </p:extLst>
   </p:cSld>
@@ -4716,8 +4716,8 @@
         </p:nvSpPr>
         <p:spPr>
           <a:xfrm>
-            <a:off x="822960" y="1845734"/>
-            <a:ext cx="3703320" cy="4023360"/>
+            <a:off x="822960" y="1845735"/>
+            <a:ext cx="3703320" cy="4023359"/>
           </a:xfrm>
         </p:spPr>
         <p:txBody>
@@ -4773,8 +4773,8 @@
         </p:nvSpPr>
         <p:spPr>
           <a:xfrm>
-            <a:off x="4663440" y="1845736"/>
-            <a:ext cx="3703320" cy="4023359"/>
+            <a:off x="4663440" y="1845735"/>
+            <a:ext cx="3703320" cy="4023360"/>
           </a:xfrm>
         </p:spPr>
         <p:txBody>
@@ -4835,7 +4835,7 @@
           <a:p>
             <a:fld id="{5BCAD085-E8A6-8845-BD4E-CB4CCA059FC4}" type="datetimeFigureOut">
               <a:rPr lang="en-US" smtClean="0"/>
-              <a:t>8/25/2025</a:t>
+              <a:t>8/26/2025</a:t>
             </a:fld>
             <a:endParaRPr lang="en-US"/>
           </a:p>
@@ -4886,7 +4886,7 @@
     </p:spTree>
     <p:extLst>
       <p:ext uri="{BB962C8B-B14F-4D97-AF65-F5344CB8AC3E}">
-        <p14:creationId xmlns:p14="http://schemas.microsoft.com/office/powerpoint/2010/main" val="2095580811"/>
+        <p14:creationId xmlns:p14="http://schemas.microsoft.com/office/powerpoint/2010/main" val="3675239550"/>
       </p:ext>
     </p:extLst>
   </p:cSld>
@@ -5024,7 +5024,7 @@
         </p:nvSpPr>
         <p:spPr>
           <a:xfrm>
-            <a:off x="822960" y="2582334"/>
+            <a:off x="822960" y="2582335"/>
             <a:ext cx="3703320" cy="3286760"/>
           </a:xfrm>
         </p:spPr>
@@ -5214,7 +5214,7 @@
           <a:p>
             <a:fld id="{5BCAD085-E8A6-8845-BD4E-CB4CCA059FC4}" type="datetimeFigureOut">
               <a:rPr lang="en-US" smtClean="0"/>
-              <a:t>8/25/2025</a:t>
+              <a:t>8/26/2025</a:t>
             </a:fld>
             <a:endParaRPr lang="en-US"/>
           </a:p>
@@ -5265,7 +5265,7 @@
     </p:spTree>
     <p:extLst>
       <p:ext uri="{BB962C8B-B14F-4D97-AF65-F5344CB8AC3E}">
-        <p14:creationId xmlns:p14="http://schemas.microsoft.com/office/powerpoint/2010/main" val="3030645415"/>
+        <p14:creationId xmlns:p14="http://schemas.microsoft.com/office/powerpoint/2010/main" val="4213796871"/>
       </p:ext>
     </p:extLst>
   </p:cSld>
@@ -5332,7 +5332,7 @@
           <a:p>
             <a:fld id="{5BCAD085-E8A6-8845-BD4E-CB4CCA059FC4}" type="datetimeFigureOut">
               <a:rPr lang="en-US" smtClean="0"/>
-              <a:t>8/25/2025</a:t>
+              <a:t>8/26/2025</a:t>
             </a:fld>
             <a:endParaRPr lang="en-US"/>
           </a:p>
@@ -5383,7 +5383,7 @@
     </p:spTree>
     <p:extLst>
       <p:ext uri="{BB962C8B-B14F-4D97-AF65-F5344CB8AC3E}">
-        <p14:creationId xmlns:p14="http://schemas.microsoft.com/office/powerpoint/2010/main" val="3976824201"/>
+        <p14:creationId xmlns:p14="http://schemas.microsoft.com/office/powerpoint/2010/main" val="1776349410"/>
       </p:ext>
     </p:extLst>
   </p:cSld>
@@ -5503,7 +5503,7 @@
           <a:p>
             <a:fld id="{5BCAD085-E8A6-8845-BD4E-CB4CCA059FC4}" type="datetimeFigureOut">
               <a:rPr lang="en-US" smtClean="0"/>
-              <a:t>8/25/2025</a:t>
+              <a:t>8/26/2025</a:t>
             </a:fld>
             <a:endParaRPr lang="en-US"/>
           </a:p>
@@ -5562,7 +5562,7 @@
     </p:spTree>
     <p:extLst>
       <p:ext uri="{BB962C8B-B14F-4D97-AF65-F5344CB8AC3E}">
-        <p14:creationId xmlns:p14="http://schemas.microsoft.com/office/powerpoint/2010/main" val="401350439"/>
+        <p14:creationId xmlns:p14="http://schemas.microsoft.com/office/powerpoint/2010/main" val="225351752"/>
       </p:ext>
     </p:extLst>
   </p:cSld>
@@ -5715,8 +5715,8 @@
         </p:nvSpPr>
         <p:spPr>
           <a:xfrm>
-            <a:off x="3460237" y="731520"/>
-            <a:ext cx="5009393" cy="5257800"/>
+            <a:off x="3600450" y="731520"/>
+            <a:ext cx="4869180" cy="5257800"/>
           </a:xfrm>
         </p:spPr>
         <p:txBody>
@@ -5857,7 +5857,7 @@
           <a:p>
             <a:fld id="{5BCAD085-E8A6-8845-BD4E-CB4CCA059FC4}" type="datetimeFigureOut">
               <a:rPr lang="en-US" smtClean="0"/>
-              <a:t>8/25/2025</a:t>
+              <a:t>8/26/2025</a:t>
             </a:fld>
             <a:endParaRPr lang="en-US"/>
           </a:p>
@@ -5929,7 +5929,7 @@
     </p:spTree>
     <p:extLst>
       <p:ext uri="{BB962C8B-B14F-4D97-AF65-F5344CB8AC3E}">
-        <p14:creationId xmlns:p14="http://schemas.microsoft.com/office/powerpoint/2010/main" val="534309857"/>
+        <p14:creationId xmlns:p14="http://schemas.microsoft.com/office/powerpoint/2010/main" val="249615340"/>
       </p:ext>
     </p:extLst>
   </p:cSld>
@@ -6085,23 +6085,18 @@
             <a:off x="12" y="0"/>
             <a:ext cx="9143989" cy="4915076"/>
           </a:xfrm>
-          <a:blipFill>
-            <a:blip r:embed="rId2"/>
-            <a:stretch>
-              <a:fillRect/>
-            </a:stretch>
-          </a:blipFill>
+          <a:solidFill>
+            <a:schemeClr val="bg2">
+              <a:lumMod val="90000"/>
+            </a:schemeClr>
+          </a:solidFill>
         </p:spPr>
         <p:txBody>
           <a:bodyPr lIns="457200" tIns="457200" anchor="t"/>
           <a:lstStyle>
             <a:lvl1pPr marL="0" indent="0">
               <a:buNone/>
-              <a:defRPr sz="3200">
-                <a:solidFill>
-                  <a:schemeClr val="bg1"/>
-                </a:solidFill>
-              </a:defRPr>
+              <a:defRPr sz="3200"/>
             </a:lvl1pPr>
             <a:lvl2pPr marL="457200" indent="0">
               <a:buNone/>
@@ -6157,7 +6152,7 @@
         </p:nvSpPr>
         <p:spPr>
           <a:xfrm>
-            <a:off x="822959" y="5907024"/>
+            <a:off x="822960" y="5907024"/>
             <a:ext cx="7589520" cy="594360"/>
           </a:xfrm>
         </p:spPr>
@@ -6239,7 +6234,7 @@
           <a:p>
             <a:fld id="{5BCAD085-E8A6-8845-BD4E-CB4CCA059FC4}" type="datetimeFigureOut">
               <a:rPr lang="en-US" smtClean="0"/>
-              <a:t>8/25/2025</a:t>
+              <a:t>8/26/2025</a:t>
             </a:fld>
             <a:endParaRPr lang="en-US"/>
           </a:p>
@@ -6290,7 +6285,7 @@
     </p:spTree>
     <p:extLst>
       <p:ext uri="{BB962C8B-B14F-4D97-AF65-F5344CB8AC3E}">
-        <p14:creationId xmlns:p14="http://schemas.microsoft.com/office/powerpoint/2010/main" val="3539621994"/>
+        <p14:creationId xmlns:p14="http://schemas.microsoft.com/office/powerpoint/2010/main" val="538781316"/>
       </p:ext>
     </p:extLst>
   </p:cSld>
@@ -6368,8 +6363,8 @@
         </p:nvSpPr>
         <p:spPr>
           <a:xfrm>
-            <a:off x="0" y="6334315"/>
-            <a:ext cx="9144001" cy="65999"/>
+            <a:off x="0" y="6334316"/>
+            <a:ext cx="9144001" cy="66484"/>
           </a:xfrm>
           <a:prstGeom prst="rect">
             <a:avLst/>
@@ -6526,7 +6521,7 @@
           <a:p>
             <a:fld id="{5BCAD085-E8A6-8845-BD4E-CB4CCA059FC4}" type="datetimeFigureOut">
               <a:rPr lang="en-US" smtClean="0"/>
-              <a:t>8/25/2025</a:t>
+              <a:t>8/26/2025</a:t>
             </a:fld>
             <a:endParaRPr lang="en-US"/>
           </a:p>
@@ -6647,23 +6642,23 @@
     </p:spTree>
     <p:extLst>
       <p:ext uri="{BB962C8B-B14F-4D97-AF65-F5344CB8AC3E}">
-        <p14:creationId xmlns:p14="http://schemas.microsoft.com/office/powerpoint/2010/main" val="426799688"/>
+        <p14:creationId xmlns:p14="http://schemas.microsoft.com/office/powerpoint/2010/main" val="1167152219"/>
       </p:ext>
     </p:extLst>
   </p:cSld>
   <p:clrMap bg1="lt1" tx1="dk1" bg2="lt2" tx2="dk2" accent1="accent1" accent2="accent2" accent3="accent3" accent4="accent4" accent5="accent5" accent6="accent6" hlink="hlink" folHlink="folHlink"/>
   <p:sldLayoutIdLst>
-    <p:sldLayoutId id="2147483661" r:id="rId1"/>
-    <p:sldLayoutId id="2147483662" r:id="rId2"/>
-    <p:sldLayoutId id="2147483663" r:id="rId3"/>
-    <p:sldLayoutId id="2147483664" r:id="rId4"/>
-    <p:sldLayoutId id="2147483665" r:id="rId5"/>
-    <p:sldLayoutId id="2147483666" r:id="rId6"/>
-    <p:sldLayoutId id="2147483667" r:id="rId7"/>
-    <p:sldLayoutId id="2147483668" r:id="rId8"/>
-    <p:sldLayoutId id="2147483669" r:id="rId9"/>
-    <p:sldLayoutId id="2147483670" r:id="rId10"/>
-    <p:sldLayoutId id="2147483671" r:id="rId11"/>
+    <p:sldLayoutId id="2147483709" r:id="rId1"/>
+    <p:sldLayoutId id="2147483710" r:id="rId2"/>
+    <p:sldLayoutId id="2147483711" r:id="rId3"/>
+    <p:sldLayoutId id="2147483712" r:id="rId4"/>
+    <p:sldLayoutId id="2147483713" r:id="rId5"/>
+    <p:sldLayoutId id="2147483714" r:id="rId6"/>
+    <p:sldLayoutId id="2147483715" r:id="rId7"/>
+    <p:sldLayoutId id="2147483716" r:id="rId8"/>
+    <p:sldLayoutId id="2147483717" r:id="rId9"/>
+    <p:sldLayoutId id="2147483718" r:id="rId10"/>
+    <p:sldLayoutId id="2147483719" r:id="rId11"/>
   </p:sldLayoutIdLst>
   <p:txStyles>
     <p:titleStyle>
@@ -11949,7 +11944,7 @@
           </p:nvPr>
         </p:nvGraphicFramePr>
         <p:xfrm>
-          <a:off x="822960" y="1846263"/>
+          <a:off x="822325" y="1846263"/>
           <a:ext cx="7543800" cy="4022725"/>
         </p:xfrm>
         <a:graphic>
@@ -18873,40 +18868,40 @@
   <a:themeElements>
     <a:clrScheme name="Retrospect">
       <a:dk1>
-        <a:srgbClr val="000000"/>
+        <a:sysClr val="windowText" lastClr="000000"/>
       </a:dk1>
       <a:lt1>
         <a:sysClr val="window" lastClr="FFFFFF"/>
       </a:lt1>
       <a:dk2>
-        <a:srgbClr val="637052"/>
+        <a:srgbClr val="344068"/>
       </a:dk2>
       <a:lt2>
-        <a:srgbClr val="CCDDEA"/>
+        <a:srgbClr val="D9E0E6"/>
       </a:lt2>
       <a:accent1>
-        <a:srgbClr val="E48312"/>
+        <a:srgbClr val="1CADE4"/>
       </a:accent1>
       <a:accent2>
-        <a:srgbClr val="BD582C"/>
+        <a:srgbClr val="2683C6"/>
       </a:accent2>
       <a:accent3>
-        <a:srgbClr val="865640"/>
+        <a:srgbClr val="28C4CC"/>
       </a:accent3>
       <a:accent4>
-        <a:srgbClr val="9B8357"/>
+        <a:srgbClr val="42BA97"/>
       </a:accent4>
       <a:accent5>
-        <a:srgbClr val="C2BC80"/>
+        <a:srgbClr val="3E8853"/>
       </a:accent5>
       <a:accent6>
-        <a:srgbClr val="94A088"/>
+        <a:srgbClr val="62A39F"/>
       </a:accent6>
       <a:hlink>
-        <a:srgbClr val="2998E3"/>
+        <a:srgbClr val="6EAC1C"/>
       </a:hlink>
       <a:folHlink>
-        <a:srgbClr val="8C8C8C"/>
+        <a:srgbClr val="B26B02"/>
       </a:folHlink>
     </a:clrScheme>
     <a:fontScheme name="Retrospect">
@@ -19145,7 +19140,7 @@
   <a:extraClrSchemeLst/>
   <a:extLst>
     <a:ext uri="{05A4C25C-085E-4340-85A3-A5531E510DB2}">
-      <thm15:themeFamily xmlns:thm15="http://schemas.microsoft.com/office/thememl/2012/main" name="Retrospect" id="{5F128B03-DCCA-4EEB-AB3B-CF2899314A46}" vid="{3F1AAB62-24C6-49D2-8E01-B56FAC9A3DCD}"/>
+      <thm15:themeFamily xmlns:thm15="http://schemas.microsoft.com/office/thememl/2012/main" name="Retrospect" id="{5F128B03-DCCA-4EEB-AB3B-CF2899314A46}" vid="{9CC26709-368C-4D72-9060-94E5B3FF3CD6}"/>
     </a:ext>
   </a:extLst>
 </a:theme>
